--- a/aulas/t/old/SCO-T2-S03-S04.pptx
+++ b/aulas/t/old/SCO-T2-S03-S04.pptx
@@ -9571,15 +9571,15 @@
             </a:r>
             <a:r>
               <a:rPr lang="pt-PT" sz="2800" i="0" dirty="0"/>
-              <a:t>T-QXX</a:t>
+              <a:t>T-Q08</a:t>
             </a:r>
             <a:r>
               <a:rPr lang="pt-PT" sz="2800" b="0" i="0" dirty="0"/>
               <a:t>: </a:t>
             </a:r>
             <a:r>
-              <a:rPr lang="pt-PT" sz="2800" i="0" dirty="0" err="1"/>
-              <a:t>naosei</a:t>
+              <a:rPr lang="pt-PT" sz="2800" i="0"/>
+              <a:t>asmc</a:t>
             </a:r>
             <a:endParaRPr lang="pt-PT" sz="2800" i="0" dirty="0"/>
           </a:p>
@@ -9592,12 +9592,8 @@
               <a:buChar char="Ø"/>
             </a:pPr>
             <a:r>
-              <a:rPr lang="pt-PT" sz="2000" i="0"/>
-              <a:t>2 </a:t>
-            </a:r>
-            <a:r>
               <a:rPr lang="pt-PT" sz="2000" i="0" dirty="0"/>
-              <a:t>conjuntos (base e standard) de 2000 questões (em 1000000) + 100 questão (em 1000 do conjunto Hard)</a:t>
+              <a:t>2 conjuntos (base e standard) de 2 questões (em 5) + 1 questão (em 3 do conjunto Hard)</a:t>
             </a:r>
             <a:r>
               <a:rPr lang="pt-PT" sz="2000" b="0" i="0" dirty="0"/>
@@ -9618,7 +9614,7 @@
             </a:r>
             <a:r>
               <a:rPr lang="pt-PT" sz="2000" i="0" dirty="0"/>
-              <a:t>1h de domingo 32 de novembro até às 2h de domingo 39 de novembro</a:t>
+              <a:t>12h de sexta 3 de junho até às 12h de quinta 9 de junho</a:t>
             </a:r>
             <a:r>
               <a:rPr lang="pt-PT" sz="2000" b="0" i="0" dirty="0"/>
@@ -9639,7 +9635,7 @@
             </a:r>
             <a:r>
               <a:rPr lang="pt-PT" sz="2000" i="0" dirty="0"/>
-              <a:t>0 minutos</a:t>
+              <a:t>10 minutos</a:t>
             </a:r>
             <a:r>
               <a:rPr lang="pt-PT" sz="2000" b="0" i="0" dirty="0"/>
